--- a/C/ch1/0317/ch1 pointer.pptx
+++ b/C/ch1/0317/ch1 pointer.pptx
@@ -11460,36 +11460,6 @@
           </a:extLst>
         </p:spPr>
       </p:pic>
-      <p:pic>
-        <p:nvPicPr>
-          <p:cNvPr id="5" name="圖片 4">
-            <a:extLst>
-              <a:ext uri="{FF2B5EF4-FFF2-40B4-BE49-F238E27FC236}">
-                <a16:creationId xmlns:a16="http://schemas.microsoft.com/office/drawing/2014/main" id="{5029D278-3579-4342-A33B-7AC1EC93D81F}"/>
-              </a:ext>
-            </a:extLst>
-          </p:cNvPr>
-          <p:cNvPicPr>
-            <a:picLocks noChangeAspect="1"/>
-          </p:cNvPicPr>
-          <p:nvPr/>
-        </p:nvPicPr>
-        <p:blipFill>
-          <a:blip r:embed="rId4"/>
-          <a:stretch>
-            <a:fillRect/>
-          </a:stretch>
-        </p:blipFill>
-        <p:spPr>
-          <a:xfrm>
-            <a:off x="1867615" y="3587878"/>
-            <a:ext cx="1987569" cy="878377"/>
-          </a:xfrm>
-          <a:prstGeom prst="rect">
-            <a:avLst/>
-          </a:prstGeom>
-        </p:spPr>
-      </p:pic>
       <p:sp>
         <p:nvSpPr>
           <p:cNvPr id="9" name="Google Shape;6693;p142">
@@ -11886,6 +11856,36 @@
           </a:p>
         </p:txBody>
       </p:sp>
+      <p:pic>
+        <p:nvPicPr>
+          <p:cNvPr id="3" name="圖片 2">
+            <a:extLst>
+              <a:ext uri="{FF2B5EF4-FFF2-40B4-BE49-F238E27FC236}">
+                <a16:creationId xmlns:a16="http://schemas.microsoft.com/office/drawing/2014/main" id="{8CC92D7A-A7E8-4206-90C4-BC7B1EA50333}"/>
+              </a:ext>
+            </a:extLst>
+          </p:cNvPr>
+          <p:cNvPicPr>
+            <a:picLocks noChangeAspect="1"/>
+          </p:cNvPicPr>
+          <p:nvPr/>
+        </p:nvPicPr>
+        <p:blipFill>
+          <a:blip r:embed="rId4"/>
+          <a:stretch>
+            <a:fillRect/>
+          </a:stretch>
+        </p:blipFill>
+        <p:spPr>
+          <a:xfrm>
+            <a:off x="1456266" y="3336408"/>
+            <a:ext cx="2810267" cy="1381318"/>
+          </a:xfrm>
+          <a:prstGeom prst="rect">
+            <a:avLst/>
+          </a:prstGeom>
+        </p:spPr>
+      </p:pic>
     </p:spTree>
   </p:cSld>
   <p:clrMapOvr>
@@ -12568,7 +12568,7 @@
         </p:blipFill>
         <p:spPr bwMode="auto">
           <a:xfrm>
-            <a:off x="5207842" y="0"/>
+            <a:off x="5214566" y="0"/>
             <a:ext cx="2586037" cy="5143500"/>
           </a:xfrm>
           <a:prstGeom prst="rect">
@@ -14037,7 +14037,7 @@
         </p:nvGrpSpPr>
         <p:grpSpPr>
           <a:xfrm>
-            <a:off x="8072006" y="1728281"/>
+            <a:off x="8158007" y="1728281"/>
             <a:ext cx="808773" cy="696505"/>
             <a:chOff x="2343222" y="2246064"/>
             <a:chExt cx="307151" cy="323864"/>
@@ -15146,31 +15146,40 @@
             </a:r>
             <a:r>
               <a:rPr lang="en-US" altLang="zh-TW" sz="1200" b="1" dirty="0"/>
-              <a:t> I</a:t>
+              <a:t> </a:t>
             </a:r>
+            <a:r>
+              <a:rPr lang="en-US" altLang="zh-TW" sz="1200" b="1" dirty="0" err="1"/>
+              <a:t>i</a:t>
+            </a:r>
+            <a:endParaRPr lang="en-US" altLang="zh-TW" sz="1200" b="1" dirty="0"/>
           </a:p>
           <a:p>
             <a:r>
+              <a:rPr lang="zh-TW" altLang="en-US" sz="1200" dirty="0"/>
+              <a:t>陣列名稱是</a:t>
+            </a:r>
+            <a:r>
               <a:rPr lang="zh-TW" altLang="en-US" sz="1200" b="1" dirty="0"/>
-              <a:t>陣列名稱是指標常數</a:t>
+              <a:t>指標常數</a:t>
             </a:r>
             <a:r>
               <a:rPr lang="en-US" altLang="zh-TW" sz="1200" b="1" dirty="0"/>
               <a:t>(pointer constant)</a:t>
             </a:r>
             <a:r>
-              <a:rPr lang="zh-TW" altLang="en-US" sz="1200" b="1" dirty="0"/>
+              <a:rPr lang="zh-TW" altLang="en-US" sz="1200" dirty="0"/>
               <a:t>，</a:t>
             </a:r>
             <a:r>
-              <a:rPr lang="en-US" altLang="zh-TW" sz="1200" b="1" dirty="0" err="1"/>
+              <a:rPr lang="en-US" altLang="zh-TW" sz="1200" dirty="0" err="1"/>
               <a:t>ptr</a:t>
             </a:r>
             <a:r>
-              <a:rPr lang="zh-TW" altLang="en-US" sz="1200" b="1" dirty="0"/>
+              <a:rPr lang="zh-TW" altLang="en-US" sz="1200" dirty="0"/>
               <a:t>是</a:t>
             </a:r>
-            <a:endParaRPr lang="en-US" altLang="zh-TW" sz="1200" b="1" dirty="0"/>
+            <a:endParaRPr lang="en-US" altLang="zh-TW" sz="1200" dirty="0"/>
           </a:p>
           <a:p>
             <a:pPr marL="114300" indent="0">
@@ -15178,68 +15187,76 @@
             </a:pPr>
             <a:r>
               <a:rPr lang="zh-TW" altLang="en-US" sz="1200" b="1" dirty="0"/>
-              <a:t>指標變數，所以</a:t>
+              <a:t>指標變數</a:t>
             </a:r>
             <a:r>
-              <a:rPr lang="en-US" altLang="zh-TW" sz="1200" b="1" dirty="0" err="1"/>
+              <a:rPr lang="en-US" altLang="zh-TW" sz="1200" b="1" dirty="0"/>
+              <a:t>(pointer variable)</a:t>
+            </a:r>
+            <a:r>
+              <a:rPr lang="zh-TW" altLang="en-US" sz="1200" dirty="0"/>
+              <a:t>，所以</a:t>
+            </a:r>
+            <a:r>
+              <a:rPr lang="en-US" altLang="zh-TW" sz="1200" dirty="0" err="1"/>
               <a:t>ptr</a:t>
             </a:r>
             <a:r>
-              <a:rPr lang="zh-TW" altLang="en-US" sz="1200" b="1" dirty="0"/>
-              <a:t>可以使用前置加</a:t>
+              <a:rPr lang="zh-TW" altLang="en-US" sz="1200" dirty="0"/>
+              <a:t>可以使用</a:t>
+            </a:r>
+            <a:endParaRPr lang="en-US" altLang="zh-TW" sz="1200" dirty="0"/>
+          </a:p>
+          <a:p>
+            <a:pPr marL="114300" indent="0">
+              <a:buNone/>
+            </a:pPr>
+            <a:r>
+              <a:rPr lang="zh-TW" altLang="en-US" sz="1200" dirty="0"/>
+              <a:t>前置加</a:t>
             </a:r>
             <a:r>
-              <a:rPr lang="en-US" altLang="zh-TW" sz="1200" b="1" dirty="0"/>
+              <a:rPr lang="en-US" altLang="zh-TW" sz="1200" dirty="0"/>
               <a:t>(</a:t>
             </a:r>
             <a:r>
-              <a:rPr lang="zh-TW" altLang="en-US" sz="1200" b="1" dirty="0"/>
+              <a:rPr lang="zh-TW" altLang="en-US" sz="1200" dirty="0"/>
               <a:t>減</a:t>
             </a:r>
             <a:r>
-              <a:rPr lang="en-US" altLang="zh-TW" sz="1200" b="1" dirty="0"/>
+              <a:rPr lang="en-US" altLang="zh-TW" sz="1200" dirty="0"/>
               <a:t>)/</a:t>
             </a:r>
             <a:r>
-              <a:rPr lang="zh-TW" altLang="en-US" sz="1200" b="1" dirty="0"/>
+              <a:rPr lang="zh-TW" altLang="en-US" sz="1200" dirty="0"/>
               <a:t>後繼加</a:t>
             </a:r>
             <a:r>
-              <a:rPr lang="en-US" altLang="zh-TW" sz="1200" b="1" dirty="0"/>
+              <a:rPr lang="en-US" altLang="zh-TW" sz="1200" dirty="0"/>
               <a:t>(</a:t>
             </a:r>
             <a:r>
-              <a:rPr lang="zh-TW" altLang="en-US" sz="1200" b="1" dirty="0"/>
+              <a:rPr lang="zh-TW" altLang="en-US" sz="1200" dirty="0"/>
               <a:t>減</a:t>
             </a:r>
             <a:r>
-              <a:rPr lang="en-US" altLang="zh-TW" sz="1200" b="1" dirty="0"/>
+              <a:rPr lang="en-US" altLang="zh-TW" sz="1200" dirty="0"/>
               <a:t>)</a:t>
             </a:r>
             <a:r>
-              <a:rPr lang="zh-TW" altLang="en-US" sz="1200" b="1" dirty="0"/>
-              <a:t>，</a:t>
-            </a:r>
-            <a:endParaRPr lang="en-US" altLang="zh-TW" sz="1200" b="1" dirty="0"/>
-          </a:p>
-          <a:p>
-            <a:pPr marL="114300" indent="0">
-              <a:buNone/>
-            </a:pPr>
-            <a:r>
-              <a:rPr lang="zh-TW" altLang="en-US" sz="1200" b="1" dirty="0"/>
-              <a:t>而</a:t>
+              <a:rPr lang="zh-TW" altLang="en-US" sz="1200" dirty="0"/>
+              <a:t>，而</a:t>
             </a:r>
             <a:r>
-              <a:rPr lang="en-US" altLang="zh-TW" sz="1200" b="1" dirty="0" err="1"/>
+              <a:rPr lang="en-US" altLang="zh-TW" sz="1200" dirty="0" err="1"/>
               <a:t>arr</a:t>
             </a:r>
             <a:r>
-              <a:rPr lang="zh-TW" altLang="en-US" sz="1200" b="1" dirty="0"/>
+              <a:rPr lang="zh-TW" altLang="en-US" sz="1200" dirty="0"/>
               <a:t>不行</a:t>
             </a:r>
             <a:r>
-              <a:rPr lang="en-US" altLang="zh-TW" sz="1200" b="1" dirty="0"/>
+              <a:rPr lang="en-US" altLang="zh-TW" sz="1200" dirty="0"/>
               <a:t>._.</a:t>
             </a:r>
           </a:p>
@@ -17411,8 +17428,8 @@
         </p:nvSpPr>
         <p:spPr>
           <a:xfrm>
-            <a:off x="997025" y="2325175"/>
-            <a:ext cx="3239025" cy="492600"/>
+            <a:off x="997025" y="2325174"/>
+            <a:ext cx="3239025" cy="773351"/>
           </a:xfrm>
           <a:prstGeom prst="rect">
             <a:avLst/>
@@ -17447,17 +17464,20 @@
                 <a:cs typeface="Vidaloka"/>
                 <a:sym typeface="Vidaloka"/>
               </a:rPr>
-              <a:t>人類本身的</a:t>
+              <a:t>人類</a:t>
             </a:r>
-            <a:endParaRPr lang="en-US" altLang="zh-TW" sz="2400" dirty="0">
-              <a:solidFill>
-                <a:schemeClr val="dk1"/>
-              </a:solidFill>
-              <a:latin typeface="Vidaloka"/>
-              <a:ea typeface="Vidaloka"/>
-              <a:cs typeface="Vidaloka"/>
-              <a:sym typeface="Vidaloka"/>
-            </a:endParaRPr>
+            <a:r>
+              <a:rPr lang="en-US" altLang="zh-TW" sz="2400" dirty="0">
+                <a:solidFill>
+                  <a:schemeClr val="dk1"/>
+                </a:solidFill>
+                <a:latin typeface="Vidaloka"/>
+                <a:ea typeface="Vidaloka"/>
+                <a:cs typeface="Vidaloka"/>
+                <a:sym typeface="Vidaloka"/>
+              </a:rPr>
+              <a:t>484</a:t>
+            </a:r>
           </a:p>
           <a:p>
             <a:pPr marL="0" lvl="0" indent="0" algn="l" rtl="0">
@@ -17479,7 +17499,7 @@
                 <a:cs typeface="Vidaloka"/>
                 <a:sym typeface="Vidaloka"/>
               </a:rPr>
-              <a:t>不可取代性</a:t>
+              <a:t>精緻機器人</a:t>
             </a:r>
             <a:endParaRPr sz="2400" dirty="0">
               <a:solidFill>
@@ -17591,7 +17611,7 @@
                 <a:cs typeface="Montserrat"/>
                 <a:sym typeface="Montserrat"/>
               </a:rPr>
-              <a:t>間接害死人的話，有錯嗎，誰的錯呢</a:t>
+              <a:t>你好棒</a:t>
             </a:r>
             <a:endParaRPr dirty="0">
               <a:solidFill>
